--- a/course/Programming.for.Noobs/episode_5.0/ep5_presentation.pptx
+++ b/course/Programming.for.Noobs/episode_5.0/ep5_presentation.pptx
@@ -49,6 +49,9 @@
     <p:sldId id="407" r:id="rId43"/>
     <p:sldId id="413" r:id="rId44"/>
     <p:sldId id="414" r:id="rId45"/>
+    <p:sldId id="416" r:id="rId46"/>
+    <p:sldId id="417" r:id="rId47"/>
+    <p:sldId id="418" r:id="rId48"/>
   </p:sldIdLst>
   <p:sldSz cx="12192000" cy="6858000"/>
   <p:notesSz cx="6858000" cy="9144000"/>
@@ -288,7 +291,7 @@
           <a:p>
             <a:fld id="{08AD847C-8780-43D5-87A8-A6DA69FBA78E}" type="datetimeFigureOut">
               <a:rPr lang="en-US" smtClean="0"/>
-              <a:t>5/6/2017</a:t>
+              <a:t>5/7/2017</a:t>
             </a:fld>
             <a:endParaRPr lang="en-US"/>
           </a:p>
@@ -456,7 +459,7 @@
           <a:p>
             <a:fld id="{08AD847C-8780-43D5-87A8-A6DA69FBA78E}" type="datetimeFigureOut">
               <a:rPr lang="en-US" smtClean="0"/>
-              <a:t>5/6/2017</a:t>
+              <a:t>5/7/2017</a:t>
             </a:fld>
             <a:endParaRPr lang="en-US"/>
           </a:p>
@@ -634,7 +637,7 @@
           <a:p>
             <a:fld id="{08AD847C-8780-43D5-87A8-A6DA69FBA78E}" type="datetimeFigureOut">
               <a:rPr lang="en-US" smtClean="0"/>
-              <a:t>5/6/2017</a:t>
+              <a:t>5/7/2017</a:t>
             </a:fld>
             <a:endParaRPr lang="en-US"/>
           </a:p>
@@ -802,7 +805,7 @@
           <a:p>
             <a:fld id="{08AD847C-8780-43D5-87A8-A6DA69FBA78E}" type="datetimeFigureOut">
               <a:rPr lang="en-US" smtClean="0"/>
-              <a:t>5/6/2017</a:t>
+              <a:t>5/7/2017</a:t>
             </a:fld>
             <a:endParaRPr lang="en-US"/>
           </a:p>
@@ -1047,7 +1050,7 @@
           <a:p>
             <a:fld id="{08AD847C-8780-43D5-87A8-A6DA69FBA78E}" type="datetimeFigureOut">
               <a:rPr lang="en-US" smtClean="0"/>
-              <a:t>5/6/2017</a:t>
+              <a:t>5/7/2017</a:t>
             </a:fld>
             <a:endParaRPr lang="en-US"/>
           </a:p>
@@ -1276,7 +1279,7 @@
           <a:p>
             <a:fld id="{08AD847C-8780-43D5-87A8-A6DA69FBA78E}" type="datetimeFigureOut">
               <a:rPr lang="en-US" smtClean="0"/>
-              <a:t>5/6/2017</a:t>
+              <a:t>5/7/2017</a:t>
             </a:fld>
             <a:endParaRPr lang="en-US"/>
           </a:p>
@@ -1640,7 +1643,7 @@
           <a:p>
             <a:fld id="{08AD847C-8780-43D5-87A8-A6DA69FBA78E}" type="datetimeFigureOut">
               <a:rPr lang="en-US" smtClean="0"/>
-              <a:t>5/6/2017</a:t>
+              <a:t>5/7/2017</a:t>
             </a:fld>
             <a:endParaRPr lang="en-US"/>
           </a:p>
@@ -1757,7 +1760,7 @@
           <a:p>
             <a:fld id="{08AD847C-8780-43D5-87A8-A6DA69FBA78E}" type="datetimeFigureOut">
               <a:rPr lang="en-US" smtClean="0"/>
-              <a:t>5/6/2017</a:t>
+              <a:t>5/7/2017</a:t>
             </a:fld>
             <a:endParaRPr lang="en-US"/>
           </a:p>
@@ -1852,7 +1855,7 @@
           <a:p>
             <a:fld id="{08AD847C-8780-43D5-87A8-A6DA69FBA78E}" type="datetimeFigureOut">
               <a:rPr lang="en-US" smtClean="0"/>
-              <a:t>5/6/2017</a:t>
+              <a:t>5/7/2017</a:t>
             </a:fld>
             <a:endParaRPr lang="en-US"/>
           </a:p>
@@ -2127,7 +2130,7 @@
           <a:p>
             <a:fld id="{08AD847C-8780-43D5-87A8-A6DA69FBA78E}" type="datetimeFigureOut">
               <a:rPr lang="en-US" smtClean="0"/>
-              <a:t>5/6/2017</a:t>
+              <a:t>5/7/2017</a:t>
             </a:fld>
             <a:endParaRPr lang="en-US"/>
           </a:p>
@@ -2379,7 +2382,7 @@
           <a:p>
             <a:fld id="{08AD847C-8780-43D5-87A8-A6DA69FBA78E}" type="datetimeFigureOut">
               <a:rPr lang="en-US" smtClean="0"/>
-              <a:t>5/6/2017</a:t>
+              <a:t>5/7/2017</a:t>
             </a:fld>
             <a:endParaRPr lang="en-US"/>
           </a:p>
@@ -2611,7 +2614,7 @@
           <a:p>
             <a:fld id="{08AD847C-8780-43D5-87A8-A6DA69FBA78E}" type="datetimeFigureOut">
               <a:rPr lang="en-US" smtClean="0"/>
-              <a:t>5/6/2017</a:t>
+              <a:t>5/7/2017</a:t>
             </a:fld>
             <a:endParaRPr lang="en-US"/>
           </a:p>
@@ -12205,7 +12208,7 @@
           <p:nvPr>
             <p:extLst>
               <p:ext uri="{D42A27DB-BD31-4B8C-83A1-F6EECF244321}">
-                <p14:modId xmlns:p14="http://schemas.microsoft.com/office/powerpoint/2010/main" val="745124643"/>
+                <p14:modId xmlns:p14="http://schemas.microsoft.com/office/powerpoint/2010/main" val="1698259625"/>
               </p:ext>
             </p:extLst>
           </p:nvPr>
@@ -12218,7 +12221,7 @@
           <a:graphicData uri="http://schemas.openxmlformats.org/drawingml/2006/table">
             <a:tbl>
               <a:tblPr>
-                <a:tableStyleId>{21E4AEA4-8DFA-4A89-87EB-49C32662AFE0}</a:tableStyleId>
+                <a:tableStyleId>{306799F8-075E-4A3A-A7F6-7FBC6576F1A4}</a:tableStyleId>
               </a:tblPr>
               <a:tblGrid>
                 <a:gridCol w="3155950">
@@ -12244,14 +12247,17 @@
                     <a:p>
                       <a:pPr algn="ctr" fontAlgn="b"/>
                       <a:r>
-                        <a:rPr lang="th-TH" sz="4400" u="none" strike="noStrike" dirty="0">
+                        <a:rPr lang="th-TH" sz="4400" b="1" u="none" strike="noStrike" dirty="0">
+                          <a:solidFill>
+                            <a:schemeClr val="tx1"/>
+                          </a:solidFill>
                           <a:effectLst/>
                         </a:rPr>
                         <a:t>==</a:t>
                       </a:r>
-                      <a:endParaRPr lang="th-TH" sz="4400" b="0" i="0" u="none" strike="noStrike" dirty="0">
+                      <a:endParaRPr lang="th-TH" sz="4400" b="1" i="0" u="none" strike="noStrike" dirty="0">
                         <a:solidFill>
-                          <a:srgbClr val="000000"/>
+                          <a:schemeClr val="tx1"/>
                         </a:solidFill>
                         <a:effectLst/>
                         <a:latin typeface="Quark" panose="02000000000000000000" pitchFamily="50" charset="-34"/>
@@ -12259,7 +12265,11 @@
                       </a:endParaRPr>
                     </a:p>
                   </a:txBody>
-                  <a:tcPr marL="7620" marR="7620" marT="7620" anchor="b"/>
+                  <a:tcPr marL="7620" marR="7620" marT="7620" anchor="b">
+                    <a:solidFill>
+                      <a:schemeClr val="bg1"/>
+                    </a:solidFill>
+                  </a:tcPr>
                 </a:tc>
                 <a:tc>
                   <a:txBody>
@@ -12268,14 +12278,17 @@
                     <a:p>
                       <a:pPr algn="l" fontAlgn="b"/>
                       <a:r>
-                        <a:rPr lang="th-TH" sz="4400" u="none" strike="noStrike">
+                        <a:rPr lang="th-TH" sz="4400" b="1" u="none" strike="noStrike" dirty="0">
+                          <a:solidFill>
+                            <a:schemeClr val="tx1"/>
+                          </a:solidFill>
                           <a:effectLst/>
                         </a:rPr>
                         <a:t>เท่ากัน</a:t>
                       </a:r>
-                      <a:endParaRPr lang="th-TH" sz="4400" b="0" i="0" u="none" strike="noStrike">
+                      <a:endParaRPr lang="th-TH" sz="4400" b="1" i="0" u="none" strike="noStrike" dirty="0">
                         <a:solidFill>
-                          <a:srgbClr val="000000"/>
+                          <a:schemeClr val="tx1"/>
                         </a:solidFill>
                         <a:effectLst/>
                         <a:latin typeface="Quark" panose="02000000000000000000" pitchFamily="50" charset="-34"/>
@@ -12283,7 +12296,11 @@
                       </a:endParaRPr>
                     </a:p>
                   </a:txBody>
-                  <a:tcPr marL="7620" marR="7620" marT="7620" anchor="b"/>
+                  <a:tcPr marL="7620" marR="7620" marT="7620" anchor="b">
+                    <a:solidFill>
+                      <a:schemeClr val="bg1"/>
+                    </a:solidFill>
+                  </a:tcPr>
                 </a:tc>
                 <a:extLst>
                   <a:ext uri="{0D108BD9-81ED-4DB2-BD59-A6C34878D82A}">
@@ -12299,14 +12316,17 @@
                     <a:p>
                       <a:pPr algn="ctr" fontAlgn="b"/>
                       <a:r>
-                        <a:rPr lang="th-TH" sz="4400" u="none" strike="noStrike" dirty="0">
+                        <a:rPr lang="th-TH" sz="4400" b="1" u="none" strike="noStrike" dirty="0">
+                          <a:solidFill>
+                            <a:schemeClr val="tx1"/>
+                          </a:solidFill>
                           <a:effectLst/>
                         </a:rPr>
                         <a:t>!=</a:t>
                       </a:r>
-                      <a:endParaRPr lang="th-TH" sz="4400" b="0" i="0" u="none" strike="noStrike" dirty="0">
+                      <a:endParaRPr lang="th-TH" sz="4400" b="1" i="0" u="none" strike="noStrike" dirty="0">
                         <a:solidFill>
-                          <a:srgbClr val="000000"/>
+                          <a:schemeClr val="tx1"/>
                         </a:solidFill>
                         <a:effectLst/>
                         <a:latin typeface="Quark" panose="02000000000000000000" pitchFamily="50" charset="-34"/>
@@ -12314,7 +12334,11 @@
                       </a:endParaRPr>
                     </a:p>
                   </a:txBody>
-                  <a:tcPr marL="7620" marR="7620" marT="7620" anchor="b"/>
+                  <a:tcPr marL="7620" marR="7620" marT="7620" anchor="b">
+                    <a:solidFill>
+                      <a:schemeClr val="bg1"/>
+                    </a:solidFill>
+                  </a:tcPr>
                 </a:tc>
                 <a:tc>
                   <a:txBody>
@@ -12323,14 +12347,17 @@
                     <a:p>
                       <a:pPr algn="l" fontAlgn="b"/>
                       <a:r>
-                        <a:rPr lang="th-TH" sz="4400" u="none" strike="noStrike">
+                        <a:rPr lang="th-TH" sz="4400" b="1" u="none" strike="noStrike">
+                          <a:solidFill>
+                            <a:schemeClr val="tx1"/>
+                          </a:solidFill>
                           <a:effectLst/>
                         </a:rPr>
                         <a:t>ไม่เท่ากัน</a:t>
                       </a:r>
-                      <a:endParaRPr lang="th-TH" sz="4400" b="0" i="0" u="none" strike="noStrike">
+                      <a:endParaRPr lang="th-TH" sz="4400" b="1" i="0" u="none" strike="noStrike">
                         <a:solidFill>
-                          <a:srgbClr val="000000"/>
+                          <a:schemeClr val="tx1"/>
                         </a:solidFill>
                         <a:effectLst/>
                         <a:latin typeface="Quark" panose="02000000000000000000" pitchFamily="50" charset="-34"/>
@@ -12338,7 +12365,11 @@
                       </a:endParaRPr>
                     </a:p>
                   </a:txBody>
-                  <a:tcPr marL="7620" marR="7620" marT="7620" anchor="b"/>
+                  <a:tcPr marL="7620" marR="7620" marT="7620" anchor="b">
+                    <a:solidFill>
+                      <a:schemeClr val="bg1"/>
+                    </a:solidFill>
+                  </a:tcPr>
                 </a:tc>
                 <a:extLst>
                   <a:ext uri="{0D108BD9-81ED-4DB2-BD59-A6C34878D82A}">
@@ -12354,14 +12385,17 @@
                     <a:p>
                       <a:pPr algn="ctr" fontAlgn="b"/>
                       <a:r>
-                        <a:rPr lang="th-TH" sz="4400" u="none" strike="noStrike" dirty="0">
+                        <a:rPr lang="th-TH" sz="4400" b="1" u="none" strike="noStrike" dirty="0">
+                          <a:solidFill>
+                            <a:schemeClr val="tx1"/>
+                          </a:solidFill>
                           <a:effectLst/>
                         </a:rPr>
                         <a:t>===</a:t>
                       </a:r>
-                      <a:endParaRPr lang="th-TH" sz="4400" b="0" i="0" u="none" strike="noStrike" dirty="0">
+                      <a:endParaRPr lang="th-TH" sz="4400" b="1" i="0" u="none" strike="noStrike" dirty="0">
                         <a:solidFill>
-                          <a:srgbClr val="000000"/>
+                          <a:schemeClr val="tx1"/>
                         </a:solidFill>
                         <a:effectLst/>
                         <a:latin typeface="Quark" panose="02000000000000000000" pitchFamily="50" charset="-34"/>
@@ -12369,7 +12403,11 @@
                       </a:endParaRPr>
                     </a:p>
                   </a:txBody>
-                  <a:tcPr marL="7620" marR="7620" marT="7620" anchor="b"/>
+                  <a:tcPr marL="7620" marR="7620" marT="7620" anchor="b">
+                    <a:solidFill>
+                      <a:schemeClr val="bg1"/>
+                    </a:solidFill>
+                  </a:tcPr>
                 </a:tc>
                 <a:tc>
                   <a:txBody>
@@ -12378,14 +12416,17 @@
                     <a:p>
                       <a:pPr algn="l" fontAlgn="b"/>
                       <a:r>
-                        <a:rPr lang="th-TH" sz="4400" u="none" strike="noStrike">
+                        <a:rPr lang="th-TH" sz="4400" b="1" u="none" strike="noStrike">
+                          <a:solidFill>
+                            <a:schemeClr val="tx1"/>
+                          </a:solidFill>
                           <a:effectLst/>
                         </a:rPr>
                         <a:t>เท่ากันทั้งค่าและชนิดข้อมูล</a:t>
                       </a:r>
-                      <a:endParaRPr lang="th-TH" sz="4400" b="0" i="0" u="none" strike="noStrike">
+                      <a:endParaRPr lang="th-TH" sz="4400" b="1" i="0" u="none" strike="noStrike">
                         <a:solidFill>
-                          <a:srgbClr val="000000"/>
+                          <a:schemeClr val="tx1"/>
                         </a:solidFill>
                         <a:effectLst/>
                         <a:latin typeface="Quark" panose="02000000000000000000" pitchFamily="50" charset="-34"/>
@@ -12393,7 +12434,11 @@
                       </a:endParaRPr>
                     </a:p>
                   </a:txBody>
-                  <a:tcPr marL="7620" marR="7620" marT="7620" anchor="b"/>
+                  <a:tcPr marL="7620" marR="7620" marT="7620" anchor="b">
+                    <a:solidFill>
+                      <a:schemeClr val="bg1"/>
+                    </a:solidFill>
+                  </a:tcPr>
                 </a:tc>
                 <a:extLst>
                   <a:ext uri="{0D108BD9-81ED-4DB2-BD59-A6C34878D82A}">
@@ -12409,14 +12454,17 @@
                     <a:p>
                       <a:pPr algn="ctr" fontAlgn="b"/>
                       <a:r>
-                        <a:rPr lang="th-TH" sz="4400" u="none" strike="noStrike" dirty="0">
+                        <a:rPr lang="th-TH" sz="4400" b="1" u="none" strike="noStrike" dirty="0">
+                          <a:solidFill>
+                            <a:schemeClr val="tx1"/>
+                          </a:solidFill>
                           <a:effectLst/>
                         </a:rPr>
-                        <a:t>!===</a:t>
+                        <a:t>!==</a:t>
                       </a:r>
-                      <a:endParaRPr lang="th-TH" sz="4400" b="0" i="0" u="none" strike="noStrike" dirty="0">
+                      <a:endParaRPr lang="th-TH" sz="4400" b="1" i="0" u="none" strike="noStrike" dirty="0">
                         <a:solidFill>
-                          <a:srgbClr val="000000"/>
+                          <a:schemeClr val="tx1"/>
                         </a:solidFill>
                         <a:effectLst/>
                         <a:latin typeface="Quark" panose="02000000000000000000" pitchFamily="50" charset="-34"/>
@@ -12424,7 +12472,11 @@
                       </a:endParaRPr>
                     </a:p>
                   </a:txBody>
-                  <a:tcPr marL="7620" marR="7620" marT="7620" anchor="b"/>
+                  <a:tcPr marL="7620" marR="7620" marT="7620" anchor="b">
+                    <a:solidFill>
+                      <a:schemeClr val="bg1"/>
+                    </a:solidFill>
+                  </a:tcPr>
                 </a:tc>
                 <a:tc>
                   <a:txBody>
@@ -12433,14 +12485,17 @@
                     <a:p>
                       <a:pPr algn="l" fontAlgn="b"/>
                       <a:r>
-                        <a:rPr lang="th-TH" sz="4400" u="none" strike="noStrike">
+                        <a:rPr lang="th-TH" sz="4400" b="1" u="none" strike="noStrike">
+                          <a:solidFill>
+                            <a:schemeClr val="tx1"/>
+                          </a:solidFill>
                           <a:effectLst/>
                         </a:rPr>
                         <a:t>ไม่เท่ากันทั้งค่าและชนิดข้อมูล</a:t>
                       </a:r>
-                      <a:endParaRPr lang="th-TH" sz="4400" b="0" i="0" u="none" strike="noStrike">
+                      <a:endParaRPr lang="th-TH" sz="4400" b="1" i="0" u="none" strike="noStrike">
                         <a:solidFill>
-                          <a:srgbClr val="000000"/>
+                          <a:schemeClr val="tx1"/>
                         </a:solidFill>
                         <a:effectLst/>
                         <a:latin typeface="Quark" panose="02000000000000000000" pitchFamily="50" charset="-34"/>
@@ -12448,7 +12503,11 @@
                       </a:endParaRPr>
                     </a:p>
                   </a:txBody>
-                  <a:tcPr marL="7620" marR="7620" marT="7620" anchor="b"/>
+                  <a:tcPr marL="7620" marR="7620" marT="7620" anchor="b">
+                    <a:solidFill>
+                      <a:schemeClr val="bg1"/>
+                    </a:solidFill>
+                  </a:tcPr>
                 </a:tc>
                 <a:extLst>
                   <a:ext uri="{0D108BD9-81ED-4DB2-BD59-A6C34878D82A}">
@@ -12464,14 +12523,17 @@
                     <a:p>
                       <a:pPr algn="ctr" fontAlgn="b"/>
                       <a:r>
-                        <a:rPr lang="th-TH" sz="4400" u="none" strike="noStrike" dirty="0">
+                        <a:rPr lang="th-TH" sz="4400" b="1" u="none" strike="noStrike" dirty="0">
+                          <a:solidFill>
+                            <a:schemeClr val="tx1"/>
+                          </a:solidFill>
                           <a:effectLst/>
                         </a:rPr>
                         <a:t>&lt;</a:t>
                       </a:r>
-                      <a:endParaRPr lang="th-TH" sz="4400" b="0" i="0" u="none" strike="noStrike" dirty="0">
+                      <a:endParaRPr lang="th-TH" sz="4400" b="1" i="0" u="none" strike="noStrike" dirty="0">
                         <a:solidFill>
-                          <a:srgbClr val="000000"/>
+                          <a:schemeClr val="tx1"/>
                         </a:solidFill>
                         <a:effectLst/>
                         <a:latin typeface="Quark" panose="02000000000000000000" pitchFamily="50" charset="-34"/>
@@ -12479,7 +12541,11 @@
                       </a:endParaRPr>
                     </a:p>
                   </a:txBody>
-                  <a:tcPr marL="7620" marR="7620" marT="7620" anchor="b"/>
+                  <a:tcPr marL="7620" marR="7620" marT="7620" anchor="b">
+                    <a:solidFill>
+                      <a:schemeClr val="bg1"/>
+                    </a:solidFill>
+                  </a:tcPr>
                 </a:tc>
                 <a:tc>
                   <a:txBody>
@@ -12488,14 +12554,17 @@
                     <a:p>
                       <a:pPr algn="l" fontAlgn="b"/>
                       <a:r>
-                        <a:rPr lang="th-TH" sz="4400" u="none" strike="noStrike">
+                        <a:rPr lang="th-TH" sz="4400" b="1" u="none" strike="noStrike">
+                          <a:solidFill>
+                            <a:schemeClr val="tx1"/>
+                          </a:solidFill>
                           <a:effectLst/>
                         </a:rPr>
                         <a:t>น้อยกว่า</a:t>
                       </a:r>
-                      <a:endParaRPr lang="th-TH" sz="4400" b="0" i="0" u="none" strike="noStrike">
+                      <a:endParaRPr lang="th-TH" sz="4400" b="1" i="0" u="none" strike="noStrike">
                         <a:solidFill>
-                          <a:srgbClr val="000000"/>
+                          <a:schemeClr val="tx1"/>
                         </a:solidFill>
                         <a:effectLst/>
                         <a:latin typeface="Quark" panose="02000000000000000000" pitchFamily="50" charset="-34"/>
@@ -12503,7 +12572,11 @@
                       </a:endParaRPr>
                     </a:p>
                   </a:txBody>
-                  <a:tcPr marL="7620" marR="7620" marT="7620" anchor="b"/>
+                  <a:tcPr marL="7620" marR="7620" marT="7620" anchor="b">
+                    <a:solidFill>
+                      <a:schemeClr val="bg1"/>
+                    </a:solidFill>
+                  </a:tcPr>
                 </a:tc>
                 <a:extLst>
                   <a:ext uri="{0D108BD9-81ED-4DB2-BD59-A6C34878D82A}">
@@ -12519,14 +12592,17 @@
                     <a:p>
                       <a:pPr algn="ctr" fontAlgn="b"/>
                       <a:r>
-                        <a:rPr lang="th-TH" sz="4400" u="none" strike="noStrike" dirty="0">
+                        <a:rPr lang="th-TH" sz="4400" b="1" u="none" strike="noStrike" dirty="0">
+                          <a:solidFill>
+                            <a:schemeClr val="tx1"/>
+                          </a:solidFill>
                           <a:effectLst/>
                         </a:rPr>
                         <a:t>&gt;</a:t>
                       </a:r>
-                      <a:endParaRPr lang="th-TH" sz="4400" b="0" i="0" u="none" strike="noStrike" dirty="0">
+                      <a:endParaRPr lang="th-TH" sz="4400" b="1" i="0" u="none" strike="noStrike" dirty="0">
                         <a:solidFill>
-                          <a:srgbClr val="000000"/>
+                          <a:schemeClr val="tx1"/>
                         </a:solidFill>
                         <a:effectLst/>
                         <a:latin typeface="Quark" panose="02000000000000000000" pitchFamily="50" charset="-34"/>
@@ -12534,7 +12610,11 @@
                       </a:endParaRPr>
                     </a:p>
                   </a:txBody>
-                  <a:tcPr marL="7620" marR="7620" marT="7620" anchor="b"/>
+                  <a:tcPr marL="7620" marR="7620" marT="7620" anchor="b">
+                    <a:solidFill>
+                      <a:schemeClr val="bg1"/>
+                    </a:solidFill>
+                  </a:tcPr>
                 </a:tc>
                 <a:tc>
                   <a:txBody>
@@ -12543,14 +12623,17 @@
                     <a:p>
                       <a:pPr algn="l" fontAlgn="b"/>
                       <a:r>
-                        <a:rPr lang="th-TH" sz="4400" u="none" strike="noStrike">
+                        <a:rPr lang="th-TH" sz="4400" b="1" u="none" strike="noStrike">
+                          <a:solidFill>
+                            <a:schemeClr val="tx1"/>
+                          </a:solidFill>
                           <a:effectLst/>
                         </a:rPr>
                         <a:t>มากกว่า</a:t>
                       </a:r>
-                      <a:endParaRPr lang="th-TH" sz="4400" b="0" i="0" u="none" strike="noStrike">
+                      <a:endParaRPr lang="th-TH" sz="4400" b="1" i="0" u="none" strike="noStrike">
                         <a:solidFill>
-                          <a:srgbClr val="000000"/>
+                          <a:schemeClr val="tx1"/>
                         </a:solidFill>
                         <a:effectLst/>
                         <a:latin typeface="Quark" panose="02000000000000000000" pitchFamily="50" charset="-34"/>
@@ -12558,7 +12641,11 @@
                       </a:endParaRPr>
                     </a:p>
                   </a:txBody>
-                  <a:tcPr marL="7620" marR="7620" marT="7620" anchor="b"/>
+                  <a:tcPr marL="7620" marR="7620" marT="7620" anchor="b">
+                    <a:solidFill>
+                      <a:schemeClr val="bg1"/>
+                    </a:solidFill>
+                  </a:tcPr>
                 </a:tc>
                 <a:extLst>
                   <a:ext uri="{0D108BD9-81ED-4DB2-BD59-A6C34878D82A}">
@@ -12574,14 +12661,17 @@
                     <a:p>
                       <a:pPr algn="ctr" fontAlgn="b"/>
                       <a:r>
-                        <a:rPr lang="th-TH" sz="4400" u="none" strike="noStrike" dirty="0">
+                        <a:rPr lang="th-TH" sz="4400" b="1" u="none" strike="noStrike" dirty="0">
+                          <a:solidFill>
+                            <a:schemeClr val="tx1"/>
+                          </a:solidFill>
                           <a:effectLst/>
                         </a:rPr>
                         <a:t>&lt;=</a:t>
                       </a:r>
-                      <a:endParaRPr lang="th-TH" sz="4400" b="0" i="0" u="none" strike="noStrike" dirty="0">
+                      <a:endParaRPr lang="th-TH" sz="4400" b="1" i="0" u="none" strike="noStrike" dirty="0">
                         <a:solidFill>
-                          <a:srgbClr val="000000"/>
+                          <a:schemeClr val="tx1"/>
                         </a:solidFill>
                         <a:effectLst/>
                         <a:latin typeface="Quark" panose="02000000000000000000" pitchFamily="50" charset="-34"/>
@@ -12589,7 +12679,11 @@
                       </a:endParaRPr>
                     </a:p>
                   </a:txBody>
-                  <a:tcPr marL="7620" marR="7620" marT="7620" anchor="b"/>
+                  <a:tcPr marL="7620" marR="7620" marT="7620" anchor="b">
+                    <a:solidFill>
+                      <a:schemeClr val="bg1"/>
+                    </a:solidFill>
+                  </a:tcPr>
                 </a:tc>
                 <a:tc>
                   <a:txBody>
@@ -12598,14 +12692,17 @@
                     <a:p>
                       <a:pPr algn="l" fontAlgn="b"/>
                       <a:r>
-                        <a:rPr lang="th-TH" sz="4400" u="none" strike="noStrike">
+                        <a:rPr lang="th-TH" sz="4400" b="1" u="none" strike="noStrike">
+                          <a:solidFill>
+                            <a:schemeClr val="tx1"/>
+                          </a:solidFill>
                           <a:effectLst/>
                         </a:rPr>
                         <a:t>น้อยกว่าหรือเท่ากัน</a:t>
                       </a:r>
-                      <a:endParaRPr lang="th-TH" sz="4400" b="0" i="0" u="none" strike="noStrike">
+                      <a:endParaRPr lang="th-TH" sz="4400" b="1" i="0" u="none" strike="noStrike">
                         <a:solidFill>
-                          <a:srgbClr val="000000"/>
+                          <a:schemeClr val="tx1"/>
                         </a:solidFill>
                         <a:effectLst/>
                         <a:latin typeface="Quark" panose="02000000000000000000" pitchFamily="50" charset="-34"/>
@@ -12613,7 +12710,11 @@
                       </a:endParaRPr>
                     </a:p>
                   </a:txBody>
-                  <a:tcPr marL="7620" marR="7620" marT="7620" anchor="b"/>
+                  <a:tcPr marL="7620" marR="7620" marT="7620" anchor="b">
+                    <a:solidFill>
+                      <a:schemeClr val="bg1"/>
+                    </a:solidFill>
+                  </a:tcPr>
                 </a:tc>
                 <a:extLst>
                   <a:ext uri="{0D108BD9-81ED-4DB2-BD59-A6C34878D82A}">
@@ -12629,14 +12730,17 @@
                     <a:p>
                       <a:pPr algn="ctr" fontAlgn="b"/>
                       <a:r>
-                        <a:rPr lang="th-TH" sz="4400" u="none" strike="noStrike" dirty="0">
+                        <a:rPr lang="th-TH" sz="4400" b="1" u="none" strike="noStrike" dirty="0">
+                          <a:solidFill>
+                            <a:schemeClr val="tx1"/>
+                          </a:solidFill>
                           <a:effectLst/>
                         </a:rPr>
                         <a:t>&gt;=</a:t>
                       </a:r>
-                      <a:endParaRPr lang="th-TH" sz="4400" b="0" i="0" u="none" strike="noStrike" dirty="0">
+                      <a:endParaRPr lang="th-TH" sz="4400" b="1" i="0" u="none" strike="noStrike" dirty="0">
                         <a:solidFill>
-                          <a:srgbClr val="000000"/>
+                          <a:schemeClr val="tx1"/>
                         </a:solidFill>
                         <a:effectLst/>
                         <a:latin typeface="Quark" panose="02000000000000000000" pitchFamily="50" charset="-34"/>
@@ -12644,7 +12748,11 @@
                       </a:endParaRPr>
                     </a:p>
                   </a:txBody>
-                  <a:tcPr marL="7620" marR="7620" marT="7620" anchor="b"/>
+                  <a:tcPr marL="7620" marR="7620" marT="7620" anchor="b">
+                    <a:solidFill>
+                      <a:schemeClr val="bg1"/>
+                    </a:solidFill>
+                  </a:tcPr>
                 </a:tc>
                 <a:tc>
                   <a:txBody>
@@ -12653,14 +12761,17 @@
                     <a:p>
                       <a:pPr algn="l" fontAlgn="b"/>
                       <a:r>
-                        <a:rPr lang="th-TH" sz="4400" u="none" strike="noStrike" dirty="0">
+                        <a:rPr lang="th-TH" sz="4400" b="1" u="none" strike="noStrike" dirty="0">
+                          <a:solidFill>
+                            <a:schemeClr val="tx1"/>
+                          </a:solidFill>
                           <a:effectLst/>
                         </a:rPr>
                         <a:t>มากกว่าหรือเท่ากัน</a:t>
                       </a:r>
-                      <a:endParaRPr lang="th-TH" sz="4400" b="0" i="0" u="none" strike="noStrike" dirty="0">
+                      <a:endParaRPr lang="th-TH" sz="4400" b="1" i="0" u="none" strike="noStrike" dirty="0">
                         <a:solidFill>
-                          <a:srgbClr val="000000"/>
+                          <a:schemeClr val="tx1"/>
                         </a:solidFill>
                         <a:effectLst/>
                         <a:latin typeface="Quark" panose="02000000000000000000" pitchFamily="50" charset="-34"/>
@@ -12668,7 +12779,11 @@
                       </a:endParaRPr>
                     </a:p>
                   </a:txBody>
-                  <a:tcPr marL="7620" marR="7620" marT="7620" anchor="b"/>
+                  <a:tcPr marL="7620" marR="7620" marT="7620" anchor="b">
+                    <a:solidFill>
+                      <a:schemeClr val="bg1"/>
+                    </a:solidFill>
+                  </a:tcPr>
                 </a:tc>
                 <a:extLst>
                   <a:ext uri="{0D108BD9-81ED-4DB2-BD59-A6C34878D82A}">
@@ -15816,7 +15931,7 @@
                 </a:solidFill>
                 <a:latin typeface="Consolas" panose="020B0609020204030204" pitchFamily="49" charset="0"/>
               </a:rPr>
-              <a:t> &gt;= </a:t>
+              <a:t> &gt; </a:t>
             </a:r>
             <a:r>
               <a:rPr lang="en-US" sz="4400" dirty="0">
@@ -16948,7 +17063,7 @@
                 </a:solidFill>
                 <a:latin typeface="Consolas" panose="020B0609020204030204" pitchFamily="49" charset="0"/>
               </a:rPr>
-              <a:t>else</a:t>
+              <a:t>else if</a:t>
             </a:r>
             <a:r>
               <a:rPr lang="en-US" sz="4400" dirty="0">
@@ -16957,13 +17072,49 @@
                 </a:solidFill>
                 <a:latin typeface="Consolas" panose="020B0609020204030204" pitchFamily="49" charset="0"/>
               </a:rPr>
-              <a:t> {</a:t>
-            </a:r>
-          </a:p>
-          <a:p>
+              <a:t> (</a:t>
+            </a:r>
             <a:r>
               <a:rPr lang="en-US" sz="4400" dirty="0">
                 <a:solidFill>
+                  <a:srgbClr val="9CDCFE"/>
+                </a:solidFill>
+                <a:latin typeface="Consolas" panose="020B0609020204030204" pitchFamily="49" charset="0"/>
+              </a:rPr>
+              <a:t>speed</a:t>
+            </a:r>
+            <a:r>
+              <a:rPr lang="en-US" sz="4400" dirty="0">
+                <a:solidFill>
+                  <a:srgbClr val="D4D4D4"/>
+                </a:solidFill>
+                <a:latin typeface="Consolas" panose="020B0609020204030204" pitchFamily="49" charset="0"/>
+              </a:rPr>
+              <a:t> &lt; </a:t>
+            </a:r>
+            <a:r>
+              <a:rPr lang="en-US" sz="4400" dirty="0">
+                <a:solidFill>
+                  <a:srgbClr val="B5CEA8"/>
+                </a:solidFill>
+                <a:latin typeface="Consolas" panose="020B0609020204030204" pitchFamily="49" charset="0"/>
+              </a:rPr>
+              <a:t>90</a:t>
+            </a:r>
+            <a:r>
+              <a:rPr lang="en-US" sz="4400" dirty="0">
+                <a:solidFill>
+                  <a:srgbClr val="D4D4D4"/>
+                </a:solidFill>
+                <a:latin typeface="Consolas" panose="020B0609020204030204" pitchFamily="49" charset="0"/>
+              </a:rPr>
+              <a:t>) {</a:t>
+            </a:r>
+          </a:p>
+          <a:p>
+            <a:r>
+              <a:rPr lang="en-US" sz="4400" dirty="0">
+                <a:solidFill>
                   <a:srgbClr val="4EC9B0"/>
                 </a:solidFill>
                 <a:latin typeface="Consolas" panose="020B0609020204030204" pitchFamily="49" charset="0"/>
@@ -17004,7 +17155,7 @@
                 </a:solidFill>
                 <a:latin typeface="Consolas" panose="020B0609020204030204" pitchFamily="49" charset="0"/>
               </a:rPr>
-              <a:t>'Ok'</a:t>
+              <a:t>'Too slow!'</a:t>
             </a:r>
             <a:r>
               <a:rPr lang="en-US" sz="4400" dirty="0">
@@ -17854,7 +18005,7 @@
                 <a:latin typeface="Quark" panose="02000000000000000000" pitchFamily="50" charset="-34"/>
                 <a:cs typeface="Quark" panose="02000000000000000000" pitchFamily="50" charset="-34"/>
               </a:rPr>
-              <a:t>แต่ถ้าไม่ใช่ ให้แสดงผลว่า</a:t>
+              <a:t>แต่ถ้าใช่ ให้แสดงผลว่า</a:t>
             </a:r>
             <a:r>
               <a:rPr lang="en-US" sz="5400" dirty="0">
@@ -18290,6 +18441,723 @@
     <p:extLst>
       <p:ext uri="{BB962C8B-B14F-4D97-AF65-F5344CB8AC3E}">
         <p14:creationId xmlns:p14="http://schemas.microsoft.com/office/powerpoint/2010/main" val="3031101379"/>
+      </p:ext>
+    </p:extLst>
+  </p:cSld>
+  <p:clrMapOvr>
+    <a:masterClrMapping/>
+  </p:clrMapOvr>
+</p:sld>
+</file>
+
+<file path=ppt/slides/slide45.xml><?xml version="1.0" encoding="utf-8"?>
+<p:sld xmlns:a="http://schemas.openxmlformats.org/drawingml/2006/main" xmlns:r="http://schemas.openxmlformats.org/officeDocument/2006/relationships" xmlns:p="http://schemas.openxmlformats.org/presentationml/2006/main">
+  <p:cSld>
+    <p:spTree>
+      <p:nvGrpSpPr>
+        <p:cNvPr id="1" name=""/>
+        <p:cNvGrpSpPr/>
+        <p:nvPr/>
+      </p:nvGrpSpPr>
+      <p:grpSpPr>
+        <a:xfrm>
+          <a:off x="0" y="0"/>
+          <a:ext cx="0" cy="0"/>
+          <a:chOff x="0" y="0"/>
+          <a:chExt cx="0" cy="0"/>
+        </a:xfrm>
+      </p:grpSpPr>
+      <p:sp>
+        <p:nvSpPr>
+          <p:cNvPr id="4" name="Title 1"/>
+          <p:cNvSpPr txBox="1">
+            <a:spLocks/>
+          </p:cNvSpPr>
+          <p:nvPr/>
+        </p:nvSpPr>
+        <p:spPr>
+          <a:xfrm>
+            <a:off x="2124635" y="2873228"/>
+            <a:ext cx="7826188" cy="1572186"/>
+          </a:xfrm>
+          <a:prstGeom prst="rect">
+            <a:avLst/>
+          </a:prstGeom>
+        </p:spPr>
+        <p:txBody>
+          <a:bodyPr vert="horz" lIns="91440" tIns="45720" rIns="91440" bIns="45720" rtlCol="0" anchor="ctr">
+            <a:noAutofit/>
+          </a:bodyPr>
+          <a:lstStyle>
+            <a:lvl1pPr algn="l" defTabSz="914400" rtl="0" eaLnBrk="1" latinLnBrk="0" hangingPunct="1">
+              <a:lnSpc>
+                <a:spcPct val="90000"/>
+              </a:lnSpc>
+              <a:spcBef>
+                <a:spcPct val="0"/>
+              </a:spcBef>
+              <a:buNone/>
+              <a:defRPr sz="4400" kern="1200">
+                <a:solidFill>
+                  <a:schemeClr val="tx1"/>
+                </a:solidFill>
+                <a:latin typeface="+mj-lt"/>
+                <a:ea typeface="+mj-ea"/>
+                <a:cs typeface="+mj-cs"/>
+              </a:defRPr>
+            </a:lvl1pPr>
+          </a:lstStyle>
+          <a:p>
+            <a:pPr algn="ctr"/>
+            <a:r>
+              <a:rPr lang="th-TH" sz="23900" dirty="0">
+                <a:solidFill>
+                  <a:schemeClr val="bg1"/>
+                </a:solidFill>
+                <a:latin typeface="Quark" panose="02000000000000000000" pitchFamily="50" charset="-34"/>
+                <a:cs typeface="Quark" panose="02000000000000000000" pitchFamily="50" charset="-34"/>
+              </a:rPr>
+              <a:t>การบ้าน</a:t>
+            </a:r>
+            <a:endParaRPr lang="en-US" sz="23900" dirty="0">
+              <a:solidFill>
+                <a:schemeClr val="bg1"/>
+              </a:solidFill>
+              <a:latin typeface="Quark" panose="02000000000000000000" pitchFamily="50" charset="-34"/>
+              <a:cs typeface="Quark" panose="02000000000000000000" pitchFamily="50" charset="-34"/>
+            </a:endParaRPr>
+          </a:p>
+        </p:txBody>
+      </p:sp>
+    </p:spTree>
+    <p:extLst>
+      <p:ext uri="{BB962C8B-B14F-4D97-AF65-F5344CB8AC3E}">
+        <p14:creationId xmlns:p14="http://schemas.microsoft.com/office/powerpoint/2010/main" val="433707871"/>
+      </p:ext>
+    </p:extLst>
+  </p:cSld>
+  <p:clrMapOvr>
+    <a:masterClrMapping/>
+  </p:clrMapOvr>
+</p:sld>
+</file>
+
+<file path=ppt/slides/slide46.xml><?xml version="1.0" encoding="utf-8"?>
+<p:sld xmlns:a="http://schemas.openxmlformats.org/drawingml/2006/main" xmlns:r="http://schemas.openxmlformats.org/officeDocument/2006/relationships" xmlns:p="http://schemas.openxmlformats.org/presentationml/2006/main">
+  <p:cSld>
+    <p:spTree>
+      <p:nvGrpSpPr>
+        <p:cNvPr id="1" name=""/>
+        <p:cNvGrpSpPr/>
+        <p:nvPr/>
+      </p:nvGrpSpPr>
+      <p:grpSpPr>
+        <a:xfrm>
+          <a:off x="0" y="0"/>
+          <a:ext cx="0" cy="0"/>
+          <a:chOff x="0" y="0"/>
+          <a:chExt cx="0" cy="0"/>
+        </a:xfrm>
+      </p:grpSpPr>
+      <p:sp>
+        <p:nvSpPr>
+          <p:cNvPr id="4" name="Rectangle 3"/>
+          <p:cNvSpPr/>
+          <p:nvPr/>
+        </p:nvSpPr>
+        <p:spPr>
+          <a:xfrm>
+            <a:off x="795350" y="333494"/>
+            <a:ext cx="3251211" cy="1446550"/>
+          </a:xfrm>
+          <a:prstGeom prst="rect">
+            <a:avLst/>
+          </a:prstGeom>
+        </p:spPr>
+        <p:txBody>
+          <a:bodyPr wrap="none">
+            <a:spAutoFit/>
+          </a:bodyPr>
+          <a:lstStyle/>
+          <a:p>
+            <a:r>
+              <a:rPr lang="th-TH" sz="8800" b="1" dirty="0">
+                <a:solidFill>
+                  <a:schemeClr val="bg1"/>
+                </a:solidFill>
+                <a:latin typeface="Quark" panose="02000000000000000000" pitchFamily="50" charset="-34"/>
+                <a:cs typeface="Quark" panose="02000000000000000000" pitchFamily="50" charset="-34"/>
+              </a:rPr>
+              <a:t>การบ้าน</a:t>
+            </a:r>
+            <a:r>
+              <a:rPr lang="en-US" sz="8800" b="1" dirty="0">
+                <a:solidFill>
+                  <a:schemeClr val="bg1"/>
+                </a:solidFill>
+                <a:latin typeface="Quark" panose="02000000000000000000" pitchFamily="50" charset="-34"/>
+                <a:cs typeface="Quark" panose="02000000000000000000" pitchFamily="50" charset="-34"/>
+              </a:rPr>
+              <a:t>:</a:t>
+            </a:r>
+          </a:p>
+        </p:txBody>
+      </p:sp>
+      <p:sp>
+        <p:nvSpPr>
+          <p:cNvPr id="6" name="Rectangle 5"/>
+          <p:cNvSpPr/>
+          <p:nvPr/>
+        </p:nvSpPr>
+        <p:spPr>
+          <a:xfrm>
+            <a:off x="962990" y="1872734"/>
+            <a:ext cx="10084812" cy="2585323"/>
+          </a:xfrm>
+          <a:prstGeom prst="rect">
+            <a:avLst/>
+          </a:prstGeom>
+        </p:spPr>
+        <p:txBody>
+          <a:bodyPr wrap="none">
+            <a:spAutoFit/>
+          </a:bodyPr>
+          <a:lstStyle/>
+          <a:p>
+            <a:r>
+              <a:rPr lang="th-TH" sz="5400" dirty="0">
+                <a:solidFill>
+                  <a:schemeClr val="bg1"/>
+                </a:solidFill>
+                <a:latin typeface="Quark" panose="02000000000000000000" pitchFamily="50" charset="-34"/>
+                <a:cs typeface="Quark" panose="02000000000000000000" pitchFamily="50" charset="-34"/>
+              </a:rPr>
+              <a:t>จงเขียนโปรแกรมเพื่อใช้ในการตัดเกรด</a:t>
+            </a:r>
+          </a:p>
+          <a:p>
+            <a:r>
+              <a:rPr lang="th-TH" sz="5400" dirty="0">
+                <a:solidFill>
+                  <a:schemeClr val="bg1"/>
+                </a:solidFill>
+                <a:latin typeface="Quark" panose="02000000000000000000" pitchFamily="50" charset="-34"/>
+                <a:cs typeface="Quark" panose="02000000000000000000" pitchFamily="50" charset="-34"/>
+              </a:rPr>
+              <a:t>โดยรับคะแนนจากนักเรียนมาเป็นตัวเลข 0-100</a:t>
+            </a:r>
+          </a:p>
+          <a:p>
+            <a:endParaRPr lang="th-TH" sz="5400" dirty="0">
+              <a:solidFill>
+                <a:schemeClr val="bg1"/>
+              </a:solidFill>
+              <a:latin typeface="Quark" panose="02000000000000000000" pitchFamily="50" charset="-34"/>
+              <a:cs typeface="Quark" panose="02000000000000000000" pitchFamily="50" charset="-34"/>
+            </a:endParaRPr>
+          </a:p>
+        </p:txBody>
+      </p:sp>
+    </p:spTree>
+    <p:extLst>
+      <p:ext uri="{BB962C8B-B14F-4D97-AF65-F5344CB8AC3E}">
+        <p14:creationId xmlns:p14="http://schemas.microsoft.com/office/powerpoint/2010/main" val="1665858004"/>
+      </p:ext>
+    </p:extLst>
+  </p:cSld>
+  <p:clrMapOvr>
+    <a:masterClrMapping/>
+  </p:clrMapOvr>
+  <p:timing>
+    <p:tnLst>
+      <p:par>
+        <p:cTn id="1" dur="indefinite" restart="never" nodeType="tmRoot">
+          <p:childTnLst>
+            <p:seq concurrent="1" nextAc="seek">
+              <p:cTn id="2" dur="indefinite" nodeType="mainSeq">
+                <p:childTnLst>
+                  <p:par>
+                    <p:cTn id="3" fill="hold">
+                      <p:stCondLst>
+                        <p:cond delay="indefinite"/>
+                      </p:stCondLst>
+                      <p:childTnLst>
+                        <p:par>
+                          <p:cTn id="4" fill="hold">
+                            <p:stCondLst>
+                              <p:cond delay="0"/>
+                            </p:stCondLst>
+                            <p:childTnLst>
+                              <p:par>
+                                <p:cTn id="5" presetID="10" presetClass="entr" presetSubtype="0" fill="hold" grpId="0" nodeType="clickEffect">
+                                  <p:stCondLst>
+                                    <p:cond delay="0"/>
+                                  </p:stCondLst>
+                                  <p:childTnLst>
+                                    <p:set>
+                                      <p:cBhvr>
+                                        <p:cTn id="6" dur="1" fill="hold">
+                                          <p:stCondLst>
+                                            <p:cond delay="0"/>
+                                          </p:stCondLst>
+                                        </p:cTn>
+                                        <p:tgtEl>
+                                          <p:spTgt spid="6"/>
+                                        </p:tgtEl>
+                                        <p:attrNameLst>
+                                          <p:attrName>style.visibility</p:attrName>
+                                        </p:attrNameLst>
+                                      </p:cBhvr>
+                                      <p:to>
+                                        <p:strVal val="visible"/>
+                                      </p:to>
+                                    </p:set>
+                                    <p:animEffect transition="in" filter="fade">
+                                      <p:cBhvr>
+                                        <p:cTn id="7" dur="500"/>
+                                        <p:tgtEl>
+                                          <p:spTgt spid="6"/>
+                                        </p:tgtEl>
+                                      </p:cBhvr>
+                                    </p:animEffect>
+                                  </p:childTnLst>
+                                </p:cTn>
+                              </p:par>
+                            </p:childTnLst>
+                          </p:cTn>
+                        </p:par>
+                      </p:childTnLst>
+                    </p:cTn>
+                  </p:par>
+                </p:childTnLst>
+              </p:cTn>
+              <p:prevCondLst>
+                <p:cond evt="onPrev" delay="0">
+                  <p:tgtEl>
+                    <p:sldTgt/>
+                  </p:tgtEl>
+                </p:cond>
+              </p:prevCondLst>
+              <p:nextCondLst>
+                <p:cond evt="onNext" delay="0">
+                  <p:tgtEl>
+                    <p:sldTgt/>
+                  </p:tgtEl>
+                </p:cond>
+              </p:nextCondLst>
+            </p:seq>
+          </p:childTnLst>
+        </p:cTn>
+      </p:par>
+    </p:tnLst>
+    <p:bldLst>
+      <p:bldP spid="6" grpId="0"/>
+    </p:bldLst>
+  </p:timing>
+</p:sld>
+</file>
+
+<file path=ppt/slides/slide47.xml><?xml version="1.0" encoding="utf-8"?>
+<p:sld xmlns:a="http://schemas.openxmlformats.org/drawingml/2006/main" xmlns:r="http://schemas.openxmlformats.org/officeDocument/2006/relationships" xmlns:p="http://schemas.openxmlformats.org/presentationml/2006/main">
+  <p:cSld>
+    <p:spTree>
+      <p:nvGrpSpPr>
+        <p:cNvPr id="1" name=""/>
+        <p:cNvGrpSpPr/>
+        <p:nvPr/>
+      </p:nvGrpSpPr>
+      <p:grpSpPr>
+        <a:xfrm>
+          <a:off x="0" y="0"/>
+          <a:ext cx="0" cy="0"/>
+          <a:chOff x="0" y="0"/>
+          <a:chExt cx="0" cy="0"/>
+        </a:xfrm>
+      </p:grpSpPr>
+      <p:graphicFrame>
+        <p:nvGraphicFramePr>
+          <p:cNvPr id="4" name="Table 3"/>
+          <p:cNvGraphicFramePr>
+            <a:graphicFrameLocks noGrp="1"/>
+          </p:cNvGraphicFramePr>
+          <p:nvPr>
+            <p:extLst>
+              <p:ext uri="{D42A27DB-BD31-4B8C-83A1-F6EECF244321}">
+                <p14:modId xmlns:p14="http://schemas.microsoft.com/office/powerpoint/2010/main" val="3110292948"/>
+              </p:ext>
+            </p:extLst>
+          </p:nvPr>
+        </p:nvGraphicFramePr>
+        <p:xfrm>
+          <a:off x="2677969" y="651885"/>
+          <a:ext cx="6078104" cy="5257800"/>
+        </p:xfrm>
+        <a:graphic>
+          <a:graphicData uri="http://schemas.openxmlformats.org/drawingml/2006/table">
+            <a:tbl>
+              <a:tblPr>
+                <a:tableStyleId>{5C22544A-7EE6-4342-B048-85BDC9FD1C3A}</a:tableStyleId>
+              </a:tblPr>
+              <a:tblGrid>
+                <a:gridCol w="4434031">
+                  <a:extLst>
+                    <a:ext uri="{9D8B030D-6E8A-4147-A177-3AD203B41FA5}">
+                      <a16:colId xmlns:a16="http://schemas.microsoft.com/office/drawing/2014/main" val="391376817"/>
+                    </a:ext>
+                  </a:extLst>
+                </a:gridCol>
+                <a:gridCol w="1644073">
+                  <a:extLst>
+                    <a:ext uri="{9D8B030D-6E8A-4147-A177-3AD203B41FA5}">
+                      <a16:colId xmlns:a16="http://schemas.microsoft.com/office/drawing/2014/main" val="2359981771"/>
+                    </a:ext>
+                  </a:extLst>
+                </a:gridCol>
+              </a:tblGrid>
+              <a:tr h="171450">
+                <a:tc>
+                  <a:txBody>
+                    <a:bodyPr/>
+                    <a:lstStyle/>
+                    <a:p>
+                      <a:pPr algn="ctr" fontAlgn="b"/>
+                      <a:r>
+                        <a:rPr lang="th-TH" sz="5400" b="1" u="none" strike="noStrike" dirty="0">
+                          <a:solidFill>
+                            <a:schemeClr val="bg1"/>
+                          </a:solidFill>
+                          <a:effectLst/>
+                        </a:rPr>
+                        <a:t>คะแนน</a:t>
+                      </a:r>
+                      <a:endParaRPr lang="th-TH" sz="5400" b="1" i="0" u="none" strike="noStrike" dirty="0">
+                        <a:solidFill>
+                          <a:schemeClr val="bg1"/>
+                        </a:solidFill>
+                        <a:effectLst/>
+                        <a:latin typeface="Tahoma" panose="020B0604030504040204" pitchFamily="34" charset="0"/>
+                      </a:endParaRPr>
+                    </a:p>
+                  </a:txBody>
+                  <a:tcPr marL="7620" marR="7620" marT="7620" anchor="b">
+                    <a:solidFill>
+                      <a:schemeClr val="bg2">
+                        <a:lumMod val="25000"/>
+                      </a:schemeClr>
+                    </a:solidFill>
+                  </a:tcPr>
+                </a:tc>
+                <a:tc>
+                  <a:txBody>
+                    <a:bodyPr/>
+                    <a:lstStyle/>
+                    <a:p>
+                      <a:pPr algn="ctr" fontAlgn="b"/>
+                      <a:r>
+                        <a:rPr lang="th-TH" sz="5400" b="1" u="none" strike="noStrike" dirty="0">
+                          <a:solidFill>
+                            <a:schemeClr val="bg1"/>
+                          </a:solidFill>
+                          <a:effectLst/>
+                        </a:rPr>
+                        <a:t>เกรด</a:t>
+                      </a:r>
+                      <a:endParaRPr lang="th-TH" sz="5400" b="1" i="0" u="none" strike="noStrike" dirty="0">
+                        <a:solidFill>
+                          <a:schemeClr val="bg1"/>
+                        </a:solidFill>
+                        <a:effectLst/>
+                        <a:latin typeface="Tahoma" panose="020B0604030504040204" pitchFamily="34" charset="0"/>
+                      </a:endParaRPr>
+                    </a:p>
+                  </a:txBody>
+                  <a:tcPr marL="7620" marR="7620" marT="7620" anchor="b">
+                    <a:solidFill>
+                      <a:schemeClr val="bg2">
+                        <a:lumMod val="25000"/>
+                      </a:schemeClr>
+                    </a:solidFill>
+                  </a:tcPr>
+                </a:tc>
+                <a:extLst>
+                  <a:ext uri="{0D108BD9-81ED-4DB2-BD59-A6C34878D82A}">
+                    <a16:rowId xmlns:a16="http://schemas.microsoft.com/office/drawing/2014/main" val="4107286844"/>
+                  </a:ext>
+                </a:extLst>
+              </a:tr>
+              <a:tr h="171450">
+                <a:tc>
+                  <a:txBody>
+                    <a:bodyPr/>
+                    <a:lstStyle/>
+                    <a:p>
+                      <a:pPr algn="l" fontAlgn="b"/>
+                      <a:r>
+                        <a:rPr lang="th-TH" sz="5400" u="none" strike="noStrike" dirty="0">
+                          <a:effectLst/>
+                        </a:rPr>
+                        <a:t>น้อยกว่าหรือเท่ากับ 49</a:t>
+                      </a:r>
+                      <a:endParaRPr lang="th-TH" sz="5400" b="0" i="0" u="none" strike="noStrike" dirty="0">
+                        <a:solidFill>
+                          <a:srgbClr val="000000"/>
+                        </a:solidFill>
+                        <a:effectLst/>
+                        <a:latin typeface="Tahoma" panose="020B0604030504040204" pitchFamily="34" charset="0"/>
+                      </a:endParaRPr>
+                    </a:p>
+                  </a:txBody>
+                  <a:tcPr marL="7620" marR="7620" marT="7620" anchor="b"/>
+                </a:tc>
+                <a:tc>
+                  <a:txBody>
+                    <a:bodyPr/>
+                    <a:lstStyle/>
+                    <a:p>
+                      <a:pPr algn="r" fontAlgn="b"/>
+                      <a:r>
+                        <a:rPr lang="th-TH" sz="5400" u="none" strike="noStrike">
+                          <a:effectLst/>
+                        </a:rPr>
+                        <a:t>0</a:t>
+                      </a:r>
+                      <a:endParaRPr lang="th-TH" sz="5400" b="0" i="0" u="none" strike="noStrike">
+                        <a:solidFill>
+                          <a:srgbClr val="000000"/>
+                        </a:solidFill>
+                        <a:effectLst/>
+                        <a:latin typeface="Tahoma" panose="020B0604030504040204" pitchFamily="34" charset="0"/>
+                      </a:endParaRPr>
+                    </a:p>
+                  </a:txBody>
+                  <a:tcPr marL="7620" marR="7620" marT="7620" anchor="b"/>
+                </a:tc>
+                <a:extLst>
+                  <a:ext uri="{0D108BD9-81ED-4DB2-BD59-A6C34878D82A}">
+                    <a16:rowId xmlns:a16="http://schemas.microsoft.com/office/drawing/2014/main" val="3059219174"/>
+                  </a:ext>
+                </a:extLst>
+              </a:tr>
+              <a:tr h="171450">
+                <a:tc>
+                  <a:txBody>
+                    <a:bodyPr/>
+                    <a:lstStyle/>
+                    <a:p>
+                      <a:pPr algn="l" fontAlgn="b"/>
+                      <a:r>
+                        <a:rPr lang="th-TH" sz="5400" u="none" strike="noStrike">
+                          <a:effectLst/>
+                        </a:rPr>
+                        <a:t>ตั้งแต่ 50 ถึง 59</a:t>
+                      </a:r>
+                      <a:endParaRPr lang="th-TH" sz="5400" b="0" i="0" u="none" strike="noStrike">
+                        <a:solidFill>
+                          <a:srgbClr val="000000"/>
+                        </a:solidFill>
+                        <a:effectLst/>
+                        <a:latin typeface="Tahoma" panose="020B0604030504040204" pitchFamily="34" charset="0"/>
+                      </a:endParaRPr>
+                    </a:p>
+                  </a:txBody>
+                  <a:tcPr marL="7620" marR="7620" marT="7620" anchor="b"/>
+                </a:tc>
+                <a:tc>
+                  <a:txBody>
+                    <a:bodyPr/>
+                    <a:lstStyle/>
+                    <a:p>
+                      <a:pPr algn="r" fontAlgn="b"/>
+                      <a:r>
+                        <a:rPr lang="th-TH" sz="5400" u="none" strike="noStrike">
+                          <a:effectLst/>
+                        </a:rPr>
+                        <a:t>1</a:t>
+                      </a:r>
+                      <a:endParaRPr lang="th-TH" sz="5400" b="0" i="0" u="none" strike="noStrike">
+                        <a:solidFill>
+                          <a:srgbClr val="000000"/>
+                        </a:solidFill>
+                        <a:effectLst/>
+                        <a:latin typeface="Tahoma" panose="020B0604030504040204" pitchFamily="34" charset="0"/>
+                      </a:endParaRPr>
+                    </a:p>
+                  </a:txBody>
+                  <a:tcPr marL="7620" marR="7620" marT="7620" anchor="b"/>
+                </a:tc>
+                <a:extLst>
+                  <a:ext uri="{0D108BD9-81ED-4DB2-BD59-A6C34878D82A}">
+                    <a16:rowId xmlns:a16="http://schemas.microsoft.com/office/drawing/2014/main" val="360858855"/>
+                  </a:ext>
+                </a:extLst>
+              </a:tr>
+              <a:tr h="171450">
+                <a:tc>
+                  <a:txBody>
+                    <a:bodyPr/>
+                    <a:lstStyle/>
+                    <a:p>
+                      <a:pPr algn="l" fontAlgn="b"/>
+                      <a:r>
+                        <a:rPr lang="th-TH" sz="5400" u="none" strike="noStrike">
+                          <a:effectLst/>
+                        </a:rPr>
+                        <a:t>ตั้งแต่ 60 ถึง 69</a:t>
+                      </a:r>
+                      <a:endParaRPr lang="th-TH" sz="5400" b="0" i="0" u="none" strike="noStrike">
+                        <a:solidFill>
+                          <a:srgbClr val="000000"/>
+                        </a:solidFill>
+                        <a:effectLst/>
+                        <a:latin typeface="Tahoma" panose="020B0604030504040204" pitchFamily="34" charset="0"/>
+                      </a:endParaRPr>
+                    </a:p>
+                  </a:txBody>
+                  <a:tcPr marL="7620" marR="7620" marT="7620" anchor="b"/>
+                </a:tc>
+                <a:tc>
+                  <a:txBody>
+                    <a:bodyPr/>
+                    <a:lstStyle/>
+                    <a:p>
+                      <a:pPr algn="r" fontAlgn="b"/>
+                      <a:r>
+                        <a:rPr lang="th-TH" sz="5400" u="none" strike="noStrike">
+                          <a:effectLst/>
+                        </a:rPr>
+                        <a:t>2</a:t>
+                      </a:r>
+                      <a:endParaRPr lang="th-TH" sz="5400" b="0" i="0" u="none" strike="noStrike">
+                        <a:solidFill>
+                          <a:srgbClr val="000000"/>
+                        </a:solidFill>
+                        <a:effectLst/>
+                        <a:latin typeface="Tahoma" panose="020B0604030504040204" pitchFamily="34" charset="0"/>
+                      </a:endParaRPr>
+                    </a:p>
+                  </a:txBody>
+                  <a:tcPr marL="7620" marR="7620" marT="7620" anchor="b"/>
+                </a:tc>
+                <a:extLst>
+                  <a:ext uri="{0D108BD9-81ED-4DB2-BD59-A6C34878D82A}">
+                    <a16:rowId xmlns:a16="http://schemas.microsoft.com/office/drawing/2014/main" val="194705899"/>
+                  </a:ext>
+                </a:extLst>
+              </a:tr>
+              <a:tr h="171450">
+                <a:tc>
+                  <a:txBody>
+                    <a:bodyPr/>
+                    <a:lstStyle/>
+                    <a:p>
+                      <a:pPr algn="l" fontAlgn="b"/>
+                      <a:r>
+                        <a:rPr lang="th-TH" sz="5400" u="none" strike="noStrike">
+                          <a:effectLst/>
+                        </a:rPr>
+                        <a:t>ตั้งแต่ 70 ถึง 79</a:t>
+                      </a:r>
+                      <a:endParaRPr lang="th-TH" sz="5400" b="0" i="0" u="none" strike="noStrike">
+                        <a:solidFill>
+                          <a:srgbClr val="000000"/>
+                        </a:solidFill>
+                        <a:effectLst/>
+                        <a:latin typeface="Tahoma" panose="020B0604030504040204" pitchFamily="34" charset="0"/>
+                      </a:endParaRPr>
+                    </a:p>
+                  </a:txBody>
+                  <a:tcPr marL="7620" marR="7620" marT="7620" anchor="b"/>
+                </a:tc>
+                <a:tc>
+                  <a:txBody>
+                    <a:bodyPr/>
+                    <a:lstStyle/>
+                    <a:p>
+                      <a:pPr algn="r" fontAlgn="b"/>
+                      <a:r>
+                        <a:rPr lang="th-TH" sz="5400" u="none" strike="noStrike">
+                          <a:effectLst/>
+                        </a:rPr>
+                        <a:t>3</a:t>
+                      </a:r>
+                      <a:endParaRPr lang="th-TH" sz="5400" b="0" i="0" u="none" strike="noStrike">
+                        <a:solidFill>
+                          <a:srgbClr val="000000"/>
+                        </a:solidFill>
+                        <a:effectLst/>
+                        <a:latin typeface="Tahoma" panose="020B0604030504040204" pitchFamily="34" charset="0"/>
+                      </a:endParaRPr>
+                    </a:p>
+                  </a:txBody>
+                  <a:tcPr marL="7620" marR="7620" marT="7620" anchor="b"/>
+                </a:tc>
+                <a:extLst>
+                  <a:ext uri="{0D108BD9-81ED-4DB2-BD59-A6C34878D82A}">
+                    <a16:rowId xmlns:a16="http://schemas.microsoft.com/office/drawing/2014/main" val="1552735401"/>
+                  </a:ext>
+                </a:extLst>
+              </a:tr>
+              <a:tr h="171450">
+                <a:tc>
+                  <a:txBody>
+                    <a:bodyPr/>
+                    <a:lstStyle/>
+                    <a:p>
+                      <a:pPr algn="l" fontAlgn="b"/>
+                      <a:r>
+                        <a:rPr lang="th-TH" sz="5400" u="none" strike="noStrike">
+                          <a:effectLst/>
+                        </a:rPr>
+                        <a:t>ตั้งแต่ 80 ขึ้นไป</a:t>
+                      </a:r>
+                      <a:endParaRPr lang="th-TH" sz="5400" b="0" i="0" u="none" strike="noStrike">
+                        <a:solidFill>
+                          <a:srgbClr val="000000"/>
+                        </a:solidFill>
+                        <a:effectLst/>
+                        <a:latin typeface="Tahoma" panose="020B0604030504040204" pitchFamily="34" charset="0"/>
+                      </a:endParaRPr>
+                    </a:p>
+                  </a:txBody>
+                  <a:tcPr marL="7620" marR="7620" marT="7620" anchor="b"/>
+                </a:tc>
+                <a:tc>
+                  <a:txBody>
+                    <a:bodyPr/>
+                    <a:lstStyle/>
+                    <a:p>
+                      <a:pPr algn="r" fontAlgn="b"/>
+                      <a:r>
+                        <a:rPr lang="th-TH" sz="5400" u="none" strike="noStrike" dirty="0">
+                          <a:effectLst/>
+                        </a:rPr>
+                        <a:t>4</a:t>
+                      </a:r>
+                      <a:endParaRPr lang="th-TH" sz="5400" b="0" i="0" u="none" strike="noStrike" dirty="0">
+                        <a:solidFill>
+                          <a:srgbClr val="000000"/>
+                        </a:solidFill>
+                        <a:effectLst/>
+                        <a:latin typeface="Tahoma" panose="020B0604030504040204" pitchFamily="34" charset="0"/>
+                      </a:endParaRPr>
+                    </a:p>
+                  </a:txBody>
+                  <a:tcPr marL="7620" marR="7620" marT="7620" anchor="b"/>
+                </a:tc>
+                <a:extLst>
+                  <a:ext uri="{0D108BD9-81ED-4DB2-BD59-A6C34878D82A}">
+                    <a16:rowId xmlns:a16="http://schemas.microsoft.com/office/drawing/2014/main" val="2420420650"/>
+                  </a:ext>
+                </a:extLst>
+              </a:tr>
+            </a:tbl>
+          </a:graphicData>
+        </a:graphic>
+      </p:graphicFrame>
+    </p:spTree>
+    <p:extLst>
+      <p:ext uri="{BB962C8B-B14F-4D97-AF65-F5344CB8AC3E}">
+        <p14:creationId xmlns:p14="http://schemas.microsoft.com/office/powerpoint/2010/main" val="4187286192"/>
       </p:ext>
     </p:extLst>
   </p:cSld>

--- a/course/Programming.for.Noobs/episode_5.0/ep5_presentation.pptx
+++ b/course/Programming.for.Noobs/episode_5.0/ep5_presentation.pptx
@@ -291,7 +291,7 @@
           <a:p>
             <a:fld id="{08AD847C-8780-43D5-87A8-A6DA69FBA78E}" type="datetimeFigureOut">
               <a:rPr lang="en-US" smtClean="0"/>
-              <a:t>5/7/2017</a:t>
+              <a:t>5/8/2017</a:t>
             </a:fld>
             <a:endParaRPr lang="en-US"/>
           </a:p>
@@ -459,7 +459,7 @@
           <a:p>
             <a:fld id="{08AD847C-8780-43D5-87A8-A6DA69FBA78E}" type="datetimeFigureOut">
               <a:rPr lang="en-US" smtClean="0"/>
-              <a:t>5/7/2017</a:t>
+              <a:t>5/8/2017</a:t>
             </a:fld>
             <a:endParaRPr lang="en-US"/>
           </a:p>
@@ -637,7 +637,7 @@
           <a:p>
             <a:fld id="{08AD847C-8780-43D5-87A8-A6DA69FBA78E}" type="datetimeFigureOut">
               <a:rPr lang="en-US" smtClean="0"/>
-              <a:t>5/7/2017</a:t>
+              <a:t>5/8/2017</a:t>
             </a:fld>
             <a:endParaRPr lang="en-US"/>
           </a:p>
@@ -805,7 +805,7 @@
           <a:p>
             <a:fld id="{08AD847C-8780-43D5-87A8-A6DA69FBA78E}" type="datetimeFigureOut">
               <a:rPr lang="en-US" smtClean="0"/>
-              <a:t>5/7/2017</a:t>
+              <a:t>5/8/2017</a:t>
             </a:fld>
             <a:endParaRPr lang="en-US"/>
           </a:p>
@@ -1050,7 +1050,7 @@
           <a:p>
             <a:fld id="{08AD847C-8780-43D5-87A8-A6DA69FBA78E}" type="datetimeFigureOut">
               <a:rPr lang="en-US" smtClean="0"/>
-              <a:t>5/7/2017</a:t>
+              <a:t>5/8/2017</a:t>
             </a:fld>
             <a:endParaRPr lang="en-US"/>
           </a:p>
@@ -1279,7 +1279,7 @@
           <a:p>
             <a:fld id="{08AD847C-8780-43D5-87A8-A6DA69FBA78E}" type="datetimeFigureOut">
               <a:rPr lang="en-US" smtClean="0"/>
-              <a:t>5/7/2017</a:t>
+              <a:t>5/8/2017</a:t>
             </a:fld>
             <a:endParaRPr lang="en-US"/>
           </a:p>
@@ -1643,7 +1643,7 @@
           <a:p>
             <a:fld id="{08AD847C-8780-43D5-87A8-A6DA69FBA78E}" type="datetimeFigureOut">
               <a:rPr lang="en-US" smtClean="0"/>
-              <a:t>5/7/2017</a:t>
+              <a:t>5/8/2017</a:t>
             </a:fld>
             <a:endParaRPr lang="en-US"/>
           </a:p>
@@ -1760,7 +1760,7 @@
           <a:p>
             <a:fld id="{08AD847C-8780-43D5-87A8-A6DA69FBA78E}" type="datetimeFigureOut">
               <a:rPr lang="en-US" smtClean="0"/>
-              <a:t>5/7/2017</a:t>
+              <a:t>5/8/2017</a:t>
             </a:fld>
             <a:endParaRPr lang="en-US"/>
           </a:p>
@@ -1855,7 +1855,7 @@
           <a:p>
             <a:fld id="{08AD847C-8780-43D5-87A8-A6DA69FBA78E}" type="datetimeFigureOut">
               <a:rPr lang="en-US" smtClean="0"/>
-              <a:t>5/7/2017</a:t>
+              <a:t>5/8/2017</a:t>
             </a:fld>
             <a:endParaRPr lang="en-US"/>
           </a:p>
@@ -2130,7 +2130,7 @@
           <a:p>
             <a:fld id="{08AD847C-8780-43D5-87A8-A6DA69FBA78E}" type="datetimeFigureOut">
               <a:rPr lang="en-US" smtClean="0"/>
-              <a:t>5/7/2017</a:t>
+              <a:t>5/8/2017</a:t>
             </a:fld>
             <a:endParaRPr lang="en-US"/>
           </a:p>
@@ -2382,7 +2382,7 @@
           <a:p>
             <a:fld id="{08AD847C-8780-43D5-87A8-A6DA69FBA78E}" type="datetimeFigureOut">
               <a:rPr lang="en-US" smtClean="0"/>
-              <a:t>5/7/2017</a:t>
+              <a:t>5/8/2017</a:t>
             </a:fld>
             <a:endParaRPr lang="en-US"/>
           </a:p>
@@ -2614,7 +2614,7 @@
           <a:p>
             <a:fld id="{08AD847C-8780-43D5-87A8-A6DA69FBA78E}" type="datetimeFigureOut">
               <a:rPr lang="en-US" smtClean="0"/>
-              <a:t>5/7/2017</a:t>
+              <a:t>5/8/2017</a:t>
             </a:fld>
             <a:endParaRPr lang="en-US"/>
           </a:p>
@@ -18612,7 +18612,7 @@
         <p:spPr>
           <a:xfrm>
             <a:off x="962990" y="1872734"/>
-            <a:ext cx="10084812" cy="2585323"/>
+            <a:ext cx="10084812" cy="3416320"/>
           </a:xfrm>
           <a:prstGeom prst="rect">
             <a:avLst/>
@@ -18646,6 +18646,35 @@
               </a:rPr>
               <a:t>โดยรับคะแนนจากนักเรียนมาเป็นตัวเลข 0-100</a:t>
             </a:r>
+          </a:p>
+          <a:p>
+            <a:r>
+              <a:rPr lang="th-TH" sz="5400" dirty="0">
+                <a:solidFill>
+                  <a:schemeClr val="bg1"/>
+                </a:solidFill>
+                <a:latin typeface="Quark" panose="02000000000000000000" pitchFamily="50" charset="-34"/>
+                <a:cs typeface="Quark" panose="02000000000000000000" pitchFamily="50" charset="-34"/>
+              </a:rPr>
+              <a:t>แล้วตัดเกรดโดยใช้เกณฑ์ดังต่อไปนี้</a:t>
+            </a:r>
+            <a:r>
+              <a:rPr lang="en-US" sz="5400" dirty="0">
+                <a:solidFill>
+                  <a:schemeClr val="bg1"/>
+                </a:solidFill>
+                <a:latin typeface="Quark" panose="02000000000000000000" pitchFamily="50" charset="-34"/>
+                <a:cs typeface="Quark" panose="02000000000000000000" pitchFamily="50" charset="-34"/>
+              </a:rPr>
+              <a:t>:-</a:t>
+            </a:r>
+            <a:endParaRPr lang="th-TH" sz="5400" dirty="0">
+              <a:solidFill>
+                <a:schemeClr val="bg1"/>
+              </a:solidFill>
+              <a:latin typeface="Quark" panose="02000000000000000000" pitchFamily="50" charset="-34"/>
+              <a:cs typeface="Quark" panose="02000000000000000000" pitchFamily="50" charset="-34"/>
+            </a:endParaRPr>
           </a:p>
           <a:p>
             <a:endParaRPr lang="th-TH" sz="5400" dirty="0">
@@ -18783,7 +18812,7 @@
           <p:nvPr>
             <p:extLst>
               <p:ext uri="{D42A27DB-BD31-4B8C-83A1-F6EECF244321}">
-                <p14:modId xmlns:p14="http://schemas.microsoft.com/office/powerpoint/2010/main" val="3110292948"/>
+                <p14:modId xmlns:p14="http://schemas.microsoft.com/office/powerpoint/2010/main" val="3131576003"/>
               </p:ext>
             </p:extLst>
           </p:nvPr>
@@ -18914,14 +18943,14 @@
                     <a:bodyPr/>
                     <a:lstStyle/>
                     <a:p>
-                      <a:pPr algn="r" fontAlgn="b"/>
+                      <a:pPr algn="ctr" fontAlgn="b"/>
                       <a:r>
-                        <a:rPr lang="th-TH" sz="5400" u="none" strike="noStrike">
+                        <a:rPr lang="th-TH" sz="5400" u="none" strike="noStrike" dirty="0">
                           <a:effectLst/>
                         </a:rPr>
                         <a:t>0</a:t>
                       </a:r>
-                      <a:endParaRPr lang="th-TH" sz="5400" b="0" i="0" u="none" strike="noStrike">
+                      <a:endParaRPr lang="th-TH" sz="5400" b="0" i="0" u="none" strike="noStrike" dirty="0">
                         <a:solidFill>
                           <a:srgbClr val="000000"/>
                         </a:solidFill>
@@ -18946,12 +18975,12 @@
                     <a:p>
                       <a:pPr algn="l" fontAlgn="b"/>
                       <a:r>
-                        <a:rPr lang="th-TH" sz="5400" u="none" strike="noStrike">
+                        <a:rPr lang="th-TH" sz="5400" u="none" strike="noStrike" dirty="0">
                           <a:effectLst/>
                         </a:rPr>
                         <a:t>ตั้งแต่ 50 ถึง 59</a:t>
                       </a:r>
-                      <a:endParaRPr lang="th-TH" sz="5400" b="0" i="0" u="none" strike="noStrike">
+                      <a:endParaRPr lang="th-TH" sz="5400" b="0" i="0" u="none" strike="noStrike" dirty="0">
                         <a:solidFill>
                           <a:srgbClr val="000000"/>
                         </a:solidFill>
@@ -18967,14 +18996,14 @@
                     <a:bodyPr/>
                     <a:lstStyle/>
                     <a:p>
-                      <a:pPr algn="r" fontAlgn="b"/>
+                      <a:pPr algn="ctr" fontAlgn="b"/>
                       <a:r>
-                        <a:rPr lang="th-TH" sz="5400" u="none" strike="noStrike">
+                        <a:rPr lang="th-TH" sz="5400" u="none" strike="noStrike" dirty="0">
                           <a:effectLst/>
                         </a:rPr>
                         <a:t>1</a:t>
                       </a:r>
-                      <a:endParaRPr lang="th-TH" sz="5400" b="0" i="0" u="none" strike="noStrike">
+                      <a:endParaRPr lang="th-TH" sz="5400" b="0" i="0" u="none" strike="noStrike" dirty="0">
                         <a:solidFill>
                           <a:srgbClr val="000000"/>
                         </a:solidFill>
@@ -18999,12 +19028,12 @@
                     <a:p>
                       <a:pPr algn="l" fontAlgn="b"/>
                       <a:r>
-                        <a:rPr lang="th-TH" sz="5400" u="none" strike="noStrike">
+                        <a:rPr lang="th-TH" sz="5400" u="none" strike="noStrike" dirty="0">
                           <a:effectLst/>
                         </a:rPr>
                         <a:t>ตั้งแต่ 60 ถึง 69</a:t>
                       </a:r>
-                      <a:endParaRPr lang="th-TH" sz="5400" b="0" i="0" u="none" strike="noStrike">
+                      <a:endParaRPr lang="th-TH" sz="5400" b="0" i="0" u="none" strike="noStrike" dirty="0">
                         <a:solidFill>
                           <a:srgbClr val="000000"/>
                         </a:solidFill>
@@ -19020,14 +19049,14 @@
                     <a:bodyPr/>
                     <a:lstStyle/>
                     <a:p>
-                      <a:pPr algn="r" fontAlgn="b"/>
+                      <a:pPr algn="ctr" fontAlgn="b"/>
                       <a:r>
-                        <a:rPr lang="th-TH" sz="5400" u="none" strike="noStrike">
+                        <a:rPr lang="th-TH" sz="5400" u="none" strike="noStrike" dirty="0">
                           <a:effectLst/>
                         </a:rPr>
                         <a:t>2</a:t>
                       </a:r>
-                      <a:endParaRPr lang="th-TH" sz="5400" b="0" i="0" u="none" strike="noStrike">
+                      <a:endParaRPr lang="th-TH" sz="5400" b="0" i="0" u="none" strike="noStrike" dirty="0">
                         <a:solidFill>
                           <a:srgbClr val="000000"/>
                         </a:solidFill>
@@ -19052,12 +19081,12 @@
                     <a:p>
                       <a:pPr algn="l" fontAlgn="b"/>
                       <a:r>
-                        <a:rPr lang="th-TH" sz="5400" u="none" strike="noStrike">
+                        <a:rPr lang="th-TH" sz="5400" u="none" strike="noStrike" dirty="0">
                           <a:effectLst/>
                         </a:rPr>
                         <a:t>ตั้งแต่ 70 ถึง 79</a:t>
                       </a:r>
-                      <a:endParaRPr lang="th-TH" sz="5400" b="0" i="0" u="none" strike="noStrike">
+                      <a:endParaRPr lang="th-TH" sz="5400" b="0" i="0" u="none" strike="noStrike" dirty="0">
                         <a:solidFill>
                           <a:srgbClr val="000000"/>
                         </a:solidFill>
@@ -19073,14 +19102,14 @@
                     <a:bodyPr/>
                     <a:lstStyle/>
                     <a:p>
-                      <a:pPr algn="r" fontAlgn="b"/>
+                      <a:pPr algn="ctr" fontAlgn="b"/>
                       <a:r>
-                        <a:rPr lang="th-TH" sz="5400" u="none" strike="noStrike">
+                        <a:rPr lang="th-TH" sz="5400" u="none" strike="noStrike" dirty="0">
                           <a:effectLst/>
                         </a:rPr>
                         <a:t>3</a:t>
                       </a:r>
-                      <a:endParaRPr lang="th-TH" sz="5400" b="0" i="0" u="none" strike="noStrike">
+                      <a:endParaRPr lang="th-TH" sz="5400" b="0" i="0" u="none" strike="noStrike" dirty="0">
                         <a:solidFill>
                           <a:srgbClr val="000000"/>
                         </a:solidFill>
@@ -19105,12 +19134,12 @@
                     <a:p>
                       <a:pPr algn="l" fontAlgn="b"/>
                       <a:r>
-                        <a:rPr lang="th-TH" sz="5400" u="none" strike="noStrike">
+                        <a:rPr lang="th-TH" sz="5400" u="none" strike="noStrike" dirty="0">
                           <a:effectLst/>
                         </a:rPr>
                         <a:t>ตั้งแต่ 80 ขึ้นไป</a:t>
                       </a:r>
-                      <a:endParaRPr lang="th-TH" sz="5400" b="0" i="0" u="none" strike="noStrike">
+                      <a:endParaRPr lang="th-TH" sz="5400" b="0" i="0" u="none" strike="noStrike" dirty="0">
                         <a:solidFill>
                           <a:srgbClr val="000000"/>
                         </a:solidFill>
@@ -19126,7 +19155,7 @@
                     <a:bodyPr/>
                     <a:lstStyle/>
                     <a:p>
-                      <a:pPr algn="r" fontAlgn="b"/>
+                      <a:pPr algn="ctr" fontAlgn="b"/>
                       <a:r>
                         <a:rPr lang="th-TH" sz="5400" u="none" strike="noStrike" dirty="0">
                           <a:effectLst/>
